--- a/Scott Slide.pptx
+++ b/Scott Slide.pptx
@@ -5,29 +5,32 @@
     <p:sldMasterId id="2147483648" r:id="rId1"/>
   </p:sldMasterIdLst>
   <p:notesMasterIdLst>
-    <p:notesMasterId r:id="rId14"/>
+    <p:notesMasterId r:id="rId17"/>
   </p:notesMasterIdLst>
   <p:handoutMasterIdLst>
-    <p:handoutMasterId r:id="rId15"/>
+    <p:handoutMasterId r:id="rId18"/>
   </p:handoutMasterIdLst>
   <p:sldIdLst>
     <p:sldId id="265" r:id="rId2"/>
-    <p:sldId id="310" r:id="rId3"/>
-    <p:sldId id="311" r:id="rId4"/>
-    <p:sldId id="320" r:id="rId5"/>
-    <p:sldId id="313" r:id="rId6"/>
-    <p:sldId id="312" r:id="rId7"/>
-    <p:sldId id="314" r:id="rId8"/>
-    <p:sldId id="315" r:id="rId9"/>
-    <p:sldId id="316" r:id="rId10"/>
-    <p:sldId id="317" r:id="rId11"/>
-    <p:sldId id="318" r:id="rId12"/>
-    <p:sldId id="319" r:id="rId13"/>
+    <p:sldId id="322" r:id="rId3"/>
+    <p:sldId id="310" r:id="rId4"/>
+    <p:sldId id="321" r:id="rId5"/>
+    <p:sldId id="311" r:id="rId6"/>
+    <p:sldId id="320" r:id="rId7"/>
+    <p:sldId id="313" r:id="rId8"/>
+    <p:sldId id="312" r:id="rId9"/>
+    <p:sldId id="323" r:id="rId10"/>
+    <p:sldId id="314" r:id="rId11"/>
+    <p:sldId id="315" r:id="rId12"/>
+    <p:sldId id="316" r:id="rId13"/>
+    <p:sldId id="317" r:id="rId14"/>
+    <p:sldId id="318" r:id="rId15"/>
+    <p:sldId id="319" r:id="rId16"/>
   </p:sldIdLst>
   <p:sldSz cx="12188825" cy="6858000"/>
   <p:notesSz cx="6858000" cy="9144000"/>
   <p:custDataLst>
-    <p:tags r:id="rId16"/>
+    <p:tags r:id="rId19"/>
   </p:custDataLst>
   <p:defaultTextStyle>
     <a:defPPr>
@@ -7497,8 +7500,8 @@
         </p:nvSpPr>
         <p:spPr>
           <a:xfrm>
-            <a:off x="1065213" y="1524000"/>
-            <a:ext cx="8229600" cy="2895600"/>
+            <a:off x="1979612" y="1817914"/>
+            <a:ext cx="8229600" cy="1981200"/>
           </a:xfrm>
         </p:spPr>
         <p:txBody>
@@ -7525,21 +7528,349 @@
             <p:ph type="subTitle" idx="1"/>
           </p:nvPr>
         </p:nvSpPr>
-        <p:spPr/>
+        <p:spPr>
+          <a:xfrm>
+            <a:off x="1979612" y="4299857"/>
+            <a:ext cx="8229600" cy="740229"/>
+          </a:xfrm>
+        </p:spPr>
         <p:txBody>
           <a:bodyPr>
+            <a:normAutofit lnSpcReduction="10000"/>
+          </a:bodyPr>
+          <a:lstStyle/>
+          <a:p>
+            <a:pPr algn="ctr"/>
+            <a:r>
+              <a:rPr lang="it-IT" sz="4800" dirty="0"/>
+              <a:t>2018</a:t>
+            </a:r>
+          </a:p>
+          <a:p>
+            <a:endParaRPr lang="it-IT" sz="4800" dirty="0"/>
+          </a:p>
+        </p:txBody>
+      </p:sp>
+      <p:sp>
+        <p:nvSpPr>
+          <p:cNvPr id="5" name="Subtitle 3">
+            <a:extLst>
+              <a:ext uri="{FF2B5EF4-FFF2-40B4-BE49-F238E27FC236}">
+                <a16:creationId xmlns:a16="http://schemas.microsoft.com/office/drawing/2014/main" id="{A1CF3420-9C78-264D-AF56-2350F72DB9BB}"/>
+              </a:ext>
+            </a:extLst>
+          </p:cNvPr>
+          <p:cNvSpPr txBox="1">
+            <a:spLocks/>
+          </p:cNvSpPr>
+          <p:nvPr/>
+        </p:nvSpPr>
+        <p:spPr>
+          <a:xfrm>
+            <a:off x="1979612" y="5040086"/>
+            <a:ext cx="8229600" cy="1600200"/>
+          </a:xfrm>
+          <a:prstGeom prst="rect">
+            <a:avLst/>
+          </a:prstGeom>
+        </p:spPr>
+        <p:txBody>
+          <a:bodyPr vert="horz" lIns="91440" tIns="45720" rIns="91440" bIns="45720" rtlCol="0">
             <a:normAutofit/>
           </a:bodyPr>
-          <a:lstStyle/>
+          <a:lstStyle>
+            <a:lvl1pPr marL="0" indent="0" algn="l" defTabSz="914400" rtl="0" eaLnBrk="1" latinLnBrk="0" hangingPunct="1">
+              <a:lnSpc>
+                <a:spcPct val="90000"/>
+              </a:lnSpc>
+              <a:spcBef>
+                <a:spcPts val="0"/>
+              </a:spcBef>
+              <a:buClr>
+                <a:schemeClr val="accent1"/>
+              </a:buClr>
+              <a:buSzPct val="100000"/>
+              <a:buFont typeface="Arial" pitchFamily="34" charset="0"/>
+              <a:buNone/>
+              <a:defRPr sz="2000" kern="1200" cap="all" spc="200" baseline="0">
+                <a:solidFill>
+                  <a:schemeClr val="accent1"/>
+                </a:solidFill>
+                <a:latin typeface="+mn-lt"/>
+                <a:ea typeface="+mn-ea"/>
+                <a:cs typeface="+mn-cs"/>
+              </a:defRPr>
+            </a:lvl1pPr>
+            <a:lvl2pPr marL="457200" indent="0" algn="ctr" defTabSz="914400" rtl="0" eaLnBrk="1" latinLnBrk="0" hangingPunct="1">
+              <a:lnSpc>
+                <a:spcPct val="90000"/>
+              </a:lnSpc>
+              <a:spcBef>
+                <a:spcPts val="1200"/>
+              </a:spcBef>
+              <a:buClr>
+                <a:schemeClr val="accent1"/>
+              </a:buClr>
+              <a:buSzPct val="100000"/>
+              <a:buFont typeface="Arial" pitchFamily="34" charset="0"/>
+              <a:buNone/>
+              <a:defRPr sz="2000" kern="1200">
+                <a:solidFill>
+                  <a:schemeClr val="tx1">
+                    <a:tint val="75000"/>
+                  </a:schemeClr>
+                </a:solidFill>
+                <a:latin typeface="+mn-lt"/>
+                <a:ea typeface="+mn-ea"/>
+                <a:cs typeface="+mn-cs"/>
+              </a:defRPr>
+            </a:lvl2pPr>
+            <a:lvl3pPr marL="914400" indent="0" algn="ctr" defTabSz="914400" rtl="0" eaLnBrk="1" latinLnBrk="0" hangingPunct="1">
+              <a:lnSpc>
+                <a:spcPct val="90000"/>
+              </a:lnSpc>
+              <a:spcBef>
+                <a:spcPts val="600"/>
+              </a:spcBef>
+              <a:buClr>
+                <a:schemeClr val="accent1"/>
+              </a:buClr>
+              <a:buSzPct val="100000"/>
+              <a:buFont typeface="Arial" pitchFamily="34" charset="0"/>
+              <a:buNone/>
+              <a:defRPr sz="1800" kern="1200">
+                <a:solidFill>
+                  <a:schemeClr val="tx1">
+                    <a:tint val="75000"/>
+                  </a:schemeClr>
+                </a:solidFill>
+                <a:latin typeface="+mn-lt"/>
+                <a:ea typeface="+mn-ea"/>
+                <a:cs typeface="+mn-cs"/>
+              </a:defRPr>
+            </a:lvl3pPr>
+            <a:lvl4pPr marL="1371600" indent="0" algn="ctr" defTabSz="914400" rtl="0" eaLnBrk="1" latinLnBrk="0" hangingPunct="1">
+              <a:lnSpc>
+                <a:spcPct val="90000"/>
+              </a:lnSpc>
+              <a:spcBef>
+                <a:spcPts val="600"/>
+              </a:spcBef>
+              <a:buClr>
+                <a:schemeClr val="accent1"/>
+              </a:buClr>
+              <a:buSzPct val="100000"/>
+              <a:buFont typeface="Arial" pitchFamily="34" charset="0"/>
+              <a:buNone/>
+              <a:defRPr sz="1600" kern="1200">
+                <a:solidFill>
+                  <a:schemeClr val="tx1">
+                    <a:tint val="75000"/>
+                  </a:schemeClr>
+                </a:solidFill>
+                <a:latin typeface="+mn-lt"/>
+                <a:ea typeface="+mn-ea"/>
+                <a:cs typeface="+mn-cs"/>
+              </a:defRPr>
+            </a:lvl4pPr>
+            <a:lvl5pPr marL="1828800" indent="0" algn="ctr" defTabSz="914400" rtl="0" eaLnBrk="1" latinLnBrk="0" hangingPunct="1">
+              <a:lnSpc>
+                <a:spcPct val="90000"/>
+              </a:lnSpc>
+              <a:spcBef>
+                <a:spcPts val="600"/>
+              </a:spcBef>
+              <a:buClr>
+                <a:schemeClr val="accent1"/>
+              </a:buClr>
+              <a:buSzPct val="100000"/>
+              <a:buFont typeface="Arial" pitchFamily="34" charset="0"/>
+              <a:buNone/>
+              <a:defRPr sz="1600" kern="1200">
+                <a:solidFill>
+                  <a:schemeClr val="tx1">
+                    <a:tint val="75000"/>
+                  </a:schemeClr>
+                </a:solidFill>
+                <a:latin typeface="+mn-lt"/>
+                <a:ea typeface="+mn-ea"/>
+                <a:cs typeface="+mn-cs"/>
+              </a:defRPr>
+            </a:lvl5pPr>
+            <a:lvl6pPr marL="2286000" indent="0" algn="ctr" defTabSz="914400" rtl="0" eaLnBrk="1" latinLnBrk="0" hangingPunct="1">
+              <a:spcBef>
+                <a:spcPts val="600"/>
+              </a:spcBef>
+              <a:buClr>
+                <a:schemeClr val="accent1"/>
+              </a:buClr>
+              <a:buFont typeface="Arial" pitchFamily="34" charset="0"/>
+              <a:buNone/>
+              <a:defRPr sz="1600" kern="1200">
+                <a:solidFill>
+                  <a:schemeClr val="tx1">
+                    <a:tint val="75000"/>
+                  </a:schemeClr>
+                </a:solidFill>
+                <a:latin typeface="+mn-lt"/>
+                <a:ea typeface="+mn-ea"/>
+                <a:cs typeface="+mn-cs"/>
+              </a:defRPr>
+            </a:lvl6pPr>
+            <a:lvl7pPr marL="2743200" indent="0" algn="ctr" defTabSz="914400" rtl="0" eaLnBrk="1" latinLnBrk="0" hangingPunct="1">
+              <a:spcBef>
+                <a:spcPts val="600"/>
+              </a:spcBef>
+              <a:buClr>
+                <a:schemeClr val="accent1"/>
+              </a:buClr>
+              <a:buFont typeface="Arial" pitchFamily="34" charset="0"/>
+              <a:buNone/>
+              <a:defRPr sz="1600" kern="1200">
+                <a:solidFill>
+                  <a:schemeClr val="tx1">
+                    <a:tint val="75000"/>
+                  </a:schemeClr>
+                </a:solidFill>
+                <a:latin typeface="+mn-lt"/>
+                <a:ea typeface="+mn-ea"/>
+                <a:cs typeface="+mn-cs"/>
+              </a:defRPr>
+            </a:lvl7pPr>
+            <a:lvl8pPr marL="3200400" indent="0" algn="ctr" defTabSz="914400" rtl="0" eaLnBrk="1" latinLnBrk="0" hangingPunct="1">
+              <a:spcBef>
+                <a:spcPts val="600"/>
+              </a:spcBef>
+              <a:buClr>
+                <a:schemeClr val="accent1"/>
+              </a:buClr>
+              <a:buFont typeface="Arial" pitchFamily="34" charset="0"/>
+              <a:buNone/>
+              <a:defRPr sz="1600" kern="1200">
+                <a:solidFill>
+                  <a:schemeClr val="tx1">
+                    <a:tint val="75000"/>
+                  </a:schemeClr>
+                </a:solidFill>
+                <a:latin typeface="+mn-lt"/>
+                <a:ea typeface="+mn-ea"/>
+                <a:cs typeface="+mn-cs"/>
+              </a:defRPr>
+            </a:lvl8pPr>
+            <a:lvl9pPr marL="3657600" indent="0" algn="ctr" defTabSz="914400" rtl="0" eaLnBrk="1" latinLnBrk="0" hangingPunct="1">
+              <a:spcBef>
+                <a:spcPts val="600"/>
+              </a:spcBef>
+              <a:buClr>
+                <a:schemeClr val="accent1"/>
+              </a:buClr>
+              <a:buFont typeface="Arial" pitchFamily="34" charset="0"/>
+              <a:buNone/>
+              <a:defRPr sz="1600" kern="1200">
+                <a:solidFill>
+                  <a:schemeClr val="tx1">
+                    <a:tint val="75000"/>
+                  </a:schemeClr>
+                </a:solidFill>
+                <a:latin typeface="+mn-lt"/>
+                <a:ea typeface="+mn-ea"/>
+                <a:cs typeface="+mn-cs"/>
+              </a:defRPr>
+            </a:lvl9pPr>
+          </a:lstStyle>
           <a:p>
             <a:pPr algn="ctr"/>
             <a:r>
-              <a:rPr lang="it-IT" sz="4800" dirty="0"/>
-              <a:t>2018</a:t>
-            </a:r>
-          </a:p>
-          <a:p>
-            <a:endParaRPr lang="it-IT" sz="4800" dirty="0"/>
+              <a:rPr lang="it-IT" sz="2400" dirty="0">
+                <a:solidFill>
+                  <a:schemeClr val="tx1"/>
+                </a:solidFill>
+              </a:rPr>
+              <a:t>Alex </a:t>
+            </a:r>
+            <a:r>
+              <a:rPr lang="it-IT" sz="2400" dirty="0" err="1">
+                <a:solidFill>
+                  <a:schemeClr val="tx1"/>
+                </a:solidFill>
+              </a:rPr>
+              <a:t>garfias</a:t>
+            </a:r>
+            <a:endParaRPr lang="it-IT" sz="2400" dirty="0">
+              <a:solidFill>
+                <a:schemeClr val="tx1"/>
+              </a:solidFill>
+            </a:endParaRPr>
+          </a:p>
+          <a:p>
+            <a:pPr algn="ctr"/>
+            <a:r>
+              <a:rPr lang="it-IT" sz="2400" dirty="0" err="1">
+                <a:solidFill>
+                  <a:schemeClr val="tx1"/>
+                </a:solidFill>
+              </a:rPr>
+              <a:t>Aritra</a:t>
+            </a:r>
+            <a:r>
+              <a:rPr lang="it-IT" sz="2400" dirty="0">
+                <a:solidFill>
+                  <a:schemeClr val="tx1"/>
+                </a:solidFill>
+              </a:rPr>
+              <a:t> </a:t>
+            </a:r>
+            <a:r>
+              <a:rPr lang="it-IT" sz="2400" dirty="0" err="1">
+                <a:solidFill>
+                  <a:schemeClr val="tx1"/>
+                </a:solidFill>
+              </a:rPr>
+              <a:t>ghosh</a:t>
+            </a:r>
+            <a:endParaRPr lang="it-IT" sz="2400" dirty="0">
+              <a:solidFill>
+                <a:schemeClr val="tx1"/>
+              </a:solidFill>
+            </a:endParaRPr>
+          </a:p>
+          <a:p>
+            <a:pPr algn="ctr"/>
+            <a:r>
+              <a:rPr lang="it-IT" sz="2400" dirty="0">
+                <a:solidFill>
+                  <a:schemeClr val="tx1"/>
+                </a:solidFill>
+              </a:rPr>
+              <a:t>Brandon </a:t>
+            </a:r>
+            <a:r>
+              <a:rPr lang="it-IT" sz="2400" dirty="0" err="1">
+                <a:solidFill>
+                  <a:schemeClr val="tx1"/>
+                </a:solidFill>
+              </a:rPr>
+              <a:t>leal</a:t>
+            </a:r>
+            <a:endParaRPr lang="it-IT" sz="2400" dirty="0">
+              <a:solidFill>
+                <a:schemeClr val="tx1"/>
+              </a:solidFill>
+            </a:endParaRPr>
+          </a:p>
+          <a:p>
+            <a:pPr algn="ctr"/>
+            <a:r>
+              <a:rPr lang="it-IT" sz="2400" dirty="0">
+                <a:solidFill>
+                  <a:schemeClr val="tx1"/>
+                </a:solidFill>
+              </a:rPr>
+              <a:t>Andrew Scott</a:t>
+            </a:r>
+          </a:p>
+          <a:p>
+            <a:endParaRPr lang="it-IT" sz="2400" dirty="0"/>
           </a:p>
         </p:txBody>
       </p:sp>
@@ -7585,10 +7916,38 @@
           <a:chExt cx="0" cy="0"/>
         </a:xfrm>
       </p:grpSpPr>
+      <p:sp>
+        <p:nvSpPr>
+          <p:cNvPr id="2" name="Title 1"/>
+          <p:cNvSpPr>
+            <a:spLocks noGrp="1"/>
+          </p:cNvSpPr>
+          <p:nvPr>
+            <p:ph type="title"/>
+          </p:nvPr>
+        </p:nvSpPr>
+        <p:spPr>
+          <a:xfrm>
+            <a:off x="1217612" y="3048000"/>
+            <a:ext cx="8692399" cy="762000"/>
+          </a:xfrm>
+        </p:spPr>
+        <p:txBody>
+          <a:bodyPr/>
+          <a:lstStyle/>
+          <a:p>
+            <a:pPr algn="ctr"/>
+            <a:r>
+              <a:rPr lang="en-US" dirty="0"/>
+              <a:t>Questions?</a:t>
+            </a:r>
+          </a:p>
+        </p:txBody>
+      </p:sp>
     </p:spTree>
     <p:extLst>
       <p:ext uri="{BB962C8B-B14F-4D97-AF65-F5344CB8AC3E}">
-        <p14:creationId xmlns:p14="http://schemas.microsoft.com/office/powerpoint/2010/main" val="1735722345"/>
+        <p14:creationId xmlns:p14="http://schemas.microsoft.com/office/powerpoint/2010/main" val="2478160142"/>
       </p:ext>
     </p:extLst>
   </p:cSld>
@@ -7644,6 +8003,252 @@
           <a:p>
             <a:r>
               <a:rPr lang="en-US" dirty="0"/>
+              <a:t>Add a Slide Title - 2</a:t>
+            </a:r>
+          </a:p>
+        </p:txBody>
+      </p:sp>
+      <p:sp>
+        <p:nvSpPr>
+          <p:cNvPr id="3" name="Text Placeholder 2"/>
+          <p:cNvSpPr>
+            <a:spLocks noGrp="1"/>
+          </p:cNvSpPr>
+          <p:nvPr>
+            <p:ph type="body" idx="1"/>
+          </p:nvPr>
+        </p:nvSpPr>
+        <p:spPr/>
+        <p:txBody>
+          <a:bodyPr/>
+          <a:lstStyle/>
+          <a:p>
+            <a:endParaRPr lang="en-US"/>
+          </a:p>
+        </p:txBody>
+      </p:sp>
+      <p:sp>
+        <p:nvSpPr>
+          <p:cNvPr id="4" name="Content Placeholder 3"/>
+          <p:cNvSpPr>
+            <a:spLocks noGrp="1"/>
+          </p:cNvSpPr>
+          <p:nvPr>
+            <p:ph sz="half" idx="2"/>
+          </p:nvPr>
+        </p:nvSpPr>
+        <p:spPr/>
+        <p:txBody>
+          <a:bodyPr/>
+          <a:lstStyle/>
+          <a:p>
+            <a:endParaRPr lang="en-US"/>
+          </a:p>
+        </p:txBody>
+      </p:sp>
+      <p:sp>
+        <p:nvSpPr>
+          <p:cNvPr id="5" name="Text Placeholder 4"/>
+          <p:cNvSpPr>
+            <a:spLocks noGrp="1"/>
+          </p:cNvSpPr>
+          <p:nvPr>
+            <p:ph type="body" sz="quarter" idx="3"/>
+          </p:nvPr>
+        </p:nvSpPr>
+        <p:spPr/>
+        <p:txBody>
+          <a:bodyPr/>
+          <a:lstStyle/>
+          <a:p>
+            <a:endParaRPr lang="en-US"/>
+          </a:p>
+        </p:txBody>
+      </p:sp>
+      <p:sp>
+        <p:nvSpPr>
+          <p:cNvPr id="6" name="Content Placeholder 5"/>
+          <p:cNvSpPr>
+            <a:spLocks noGrp="1"/>
+          </p:cNvSpPr>
+          <p:nvPr>
+            <p:ph sz="quarter" idx="4"/>
+          </p:nvPr>
+        </p:nvSpPr>
+        <p:spPr/>
+        <p:txBody>
+          <a:bodyPr/>
+          <a:lstStyle/>
+          <a:p>
+            <a:endParaRPr lang="en-US"/>
+          </a:p>
+        </p:txBody>
+      </p:sp>
+    </p:spTree>
+    <p:extLst>
+      <p:ext uri="{BB962C8B-B14F-4D97-AF65-F5344CB8AC3E}">
+        <p14:creationId xmlns:p14="http://schemas.microsoft.com/office/powerpoint/2010/main" val="2681425051"/>
+      </p:ext>
+    </p:extLst>
+  </p:cSld>
+  <p:clrMapOvr>
+    <a:masterClrMapping/>
+  </p:clrMapOvr>
+  <mc:AlternateContent xmlns:mc="http://schemas.openxmlformats.org/markup-compatibility/2006" xmlns:p14="http://schemas.microsoft.com/office/powerpoint/2010/main">
+    <mc:Choice Requires="p14">
+      <p:transition spd="med" p14:dur="700">
+        <p:fade/>
+      </p:transition>
+    </mc:Choice>
+    <mc:Fallback xmlns="">
+      <p:transition spd="med">
+        <p:fade/>
+      </p:transition>
+    </mc:Fallback>
+  </mc:AlternateContent>
+</p:sld>
+</file>
+
+<file path=ppt/slides/slide12.xml><?xml version="1.0" encoding="utf-8"?>
+<p:sld xmlns:a="http://schemas.openxmlformats.org/drawingml/2006/main" xmlns:r="http://schemas.openxmlformats.org/officeDocument/2006/relationships" xmlns:p="http://schemas.openxmlformats.org/presentationml/2006/main">
+  <p:cSld>
+    <p:spTree>
+      <p:nvGrpSpPr>
+        <p:cNvPr id="1" name=""/>
+        <p:cNvGrpSpPr/>
+        <p:nvPr/>
+      </p:nvGrpSpPr>
+      <p:grpSpPr>
+        <a:xfrm>
+          <a:off x="0" y="0"/>
+          <a:ext cx="0" cy="0"/>
+          <a:chOff x="0" y="0"/>
+          <a:chExt cx="0" cy="0"/>
+        </a:xfrm>
+      </p:grpSpPr>
+      <p:sp>
+        <p:nvSpPr>
+          <p:cNvPr id="2" name="Title 1"/>
+          <p:cNvSpPr>
+            <a:spLocks noGrp="1"/>
+          </p:cNvSpPr>
+          <p:nvPr>
+            <p:ph type="title"/>
+          </p:nvPr>
+        </p:nvSpPr>
+        <p:spPr/>
+        <p:txBody>
+          <a:bodyPr/>
+          <a:lstStyle/>
+          <a:p>
+            <a:r>
+              <a:rPr lang="en-US" dirty="0"/>
+              <a:t>Add a Slide Title - 3</a:t>
+            </a:r>
+          </a:p>
+        </p:txBody>
+      </p:sp>
+    </p:spTree>
+    <p:extLst>
+      <p:ext uri="{BB962C8B-B14F-4D97-AF65-F5344CB8AC3E}">
+        <p14:creationId xmlns:p14="http://schemas.microsoft.com/office/powerpoint/2010/main" val="2590506655"/>
+      </p:ext>
+    </p:extLst>
+  </p:cSld>
+  <p:clrMapOvr>
+    <a:masterClrMapping/>
+  </p:clrMapOvr>
+  <mc:AlternateContent xmlns:mc="http://schemas.openxmlformats.org/markup-compatibility/2006" xmlns:p14="http://schemas.microsoft.com/office/powerpoint/2010/main">
+    <mc:Choice Requires="p14">
+      <p:transition spd="med" p14:dur="700">
+        <p:fade/>
+      </p:transition>
+    </mc:Choice>
+    <mc:Fallback xmlns="">
+      <p:transition spd="med">
+        <p:fade/>
+      </p:transition>
+    </mc:Fallback>
+  </mc:AlternateContent>
+</p:sld>
+</file>
+
+<file path=ppt/slides/slide13.xml><?xml version="1.0" encoding="utf-8"?>
+<p:sld xmlns:a="http://schemas.openxmlformats.org/drawingml/2006/main" xmlns:r="http://schemas.openxmlformats.org/officeDocument/2006/relationships" xmlns:p="http://schemas.openxmlformats.org/presentationml/2006/main">
+  <p:cSld>
+    <p:spTree>
+      <p:nvGrpSpPr>
+        <p:cNvPr id="1" name=""/>
+        <p:cNvGrpSpPr/>
+        <p:nvPr/>
+      </p:nvGrpSpPr>
+      <p:grpSpPr>
+        <a:xfrm>
+          <a:off x="0" y="0"/>
+          <a:ext cx="0" cy="0"/>
+          <a:chOff x="0" y="0"/>
+          <a:chExt cx="0" cy="0"/>
+        </a:xfrm>
+      </p:grpSpPr>
+    </p:spTree>
+    <p:extLst>
+      <p:ext uri="{BB962C8B-B14F-4D97-AF65-F5344CB8AC3E}">
+        <p14:creationId xmlns:p14="http://schemas.microsoft.com/office/powerpoint/2010/main" val="1735722345"/>
+      </p:ext>
+    </p:extLst>
+  </p:cSld>
+  <p:clrMapOvr>
+    <a:masterClrMapping/>
+  </p:clrMapOvr>
+  <mc:AlternateContent xmlns:mc="http://schemas.openxmlformats.org/markup-compatibility/2006" xmlns:p14="http://schemas.microsoft.com/office/powerpoint/2010/main">
+    <mc:Choice Requires="p14">
+      <p:transition spd="med" p14:dur="700">
+        <p:fade/>
+      </p:transition>
+    </mc:Choice>
+    <mc:Fallback xmlns="">
+      <p:transition spd="med">
+        <p:fade/>
+      </p:transition>
+    </mc:Fallback>
+  </mc:AlternateContent>
+</p:sld>
+</file>
+
+<file path=ppt/slides/slide14.xml><?xml version="1.0" encoding="utf-8"?>
+<p:sld xmlns:a="http://schemas.openxmlformats.org/drawingml/2006/main" xmlns:r="http://schemas.openxmlformats.org/officeDocument/2006/relationships" xmlns:p="http://schemas.openxmlformats.org/presentationml/2006/main">
+  <p:cSld>
+    <p:spTree>
+      <p:nvGrpSpPr>
+        <p:cNvPr id="1" name=""/>
+        <p:cNvGrpSpPr/>
+        <p:nvPr/>
+      </p:nvGrpSpPr>
+      <p:grpSpPr>
+        <a:xfrm>
+          <a:off x="0" y="0"/>
+          <a:ext cx="0" cy="0"/>
+          <a:chOff x="0" y="0"/>
+          <a:chExt cx="0" cy="0"/>
+        </a:xfrm>
+      </p:grpSpPr>
+      <p:sp>
+        <p:nvSpPr>
+          <p:cNvPr id="2" name="Title 1"/>
+          <p:cNvSpPr>
+            <a:spLocks noGrp="1"/>
+          </p:cNvSpPr>
+          <p:nvPr>
+            <p:ph type="title"/>
+          </p:nvPr>
+        </p:nvSpPr>
+        <p:spPr/>
+        <p:txBody>
+          <a:bodyPr/>
+          <a:lstStyle/>
+          <a:p>
+            <a:r>
+              <a:rPr lang="en-US" dirty="0"/>
               <a:t>Add a Slide Title - 4</a:t>
             </a:r>
           </a:p>
@@ -7712,7 +8317,7 @@
 </p:sld>
 </file>
 
-<file path=ppt/slides/slide12.xml><?xml version="1.0" encoding="utf-8"?>
+<file path=ppt/slides/slide15.xml><?xml version="1.0" encoding="utf-8"?>
 <p:sld xmlns:a="http://schemas.openxmlformats.org/drawingml/2006/main" xmlns:r="http://schemas.openxmlformats.org/officeDocument/2006/relationships" xmlns:p="http://schemas.openxmlformats.org/presentationml/2006/main">
   <p:cSld>
     <p:spTree>
@@ -7834,14 +8439,19 @@
             <p:ph type="title"/>
           </p:nvPr>
         </p:nvSpPr>
-        <p:spPr/>
+        <p:spPr>
+          <a:xfrm>
+            <a:off x="1522413" y="1143000"/>
+            <a:ext cx="9144001" cy="609600"/>
+          </a:xfrm>
+        </p:spPr>
         <p:txBody>
           <a:bodyPr/>
           <a:lstStyle/>
           <a:p>
             <a:r>
               <a:rPr lang="en-US" b="1" dirty="0"/>
-              <a:t>HISTORY &amp; EVOLUTION</a:t>
+              <a:t>Team Motivation for Crypto</a:t>
             </a:r>
           </a:p>
         </p:txBody>
@@ -7861,70 +8471,52 @@
           <a:bodyPr/>
           <a:lstStyle/>
           <a:p>
-            <a:r>
-              <a:rPr lang="en-US" b="1" dirty="0"/>
-              <a:t>1998 – 2009 The pre-Bitcoin years</a:t>
-            </a:r>
-          </a:p>
-          <a:p>
             <a:pPr lvl="1"/>
             <a:r>
-              <a:rPr lang="en-US" sz="1600" dirty="0"/>
-              <a:t>Although Bitcoin was the first established </a:t>
-            </a:r>
-            <a:r>
-              <a:rPr lang="en-US" sz="1600" dirty="0">
-                <a:hlinkClick r:id="rId2"/>
-              </a:rPr>
-              <a:t>cryptocurrency</a:t>
-            </a:r>
-            <a:r>
-              <a:rPr lang="en-US" sz="1600" dirty="0"/>
-              <a:t>, there had been previous attempts at creating online currencies, two examples of these were B-Money and Bit Gold, which were formulated but never fully developed.</a:t>
+              <a:rPr lang="en-US" dirty="0"/>
+              <a:t>Much of our motivation surrounding choosing crypto currency is because it’s a hot topic right now</a:t>
             </a:r>
           </a:p>
           <a:p>
             <a:pPr lvl="1"/>
             <a:r>
               <a:rPr lang="en-US" dirty="0"/>
-              <a:t>In 2009, a paper called </a:t>
-            </a:r>
-            <a:r>
-              <a:rPr lang="en-US" dirty="0">
-                <a:hlinkClick r:id="rId3"/>
-              </a:rPr>
-              <a:t>Bitcoin – A Peer to Peer Electronic Cash System</a:t>
-            </a:r>
+              <a:t>We wanted to know based on historical data if crypto currencies were a good option for long term investments</a:t>
+            </a:r>
+          </a:p>
+          <a:p>
+            <a:pPr lvl="1"/>
             <a:r>
               <a:rPr lang="en-US" dirty="0"/>
-              <a:t> was posted to a mailing list discussion on cryptography, by Satoshi Nakamoto, whose real identity remains a mystery.</a:t>
-            </a:r>
-            <a:endParaRPr lang="en-US" b="1" dirty="0"/>
+              <a:t>Are crypto currencies a good choice to use to trade with?</a:t>
+            </a:r>
           </a:p>
           <a:p>
             <a:pPr lvl="1"/>
             <a:r>
               <a:rPr lang="en-US" dirty="0"/>
-              <a:t>In 2010, Bitcoin is finally valued, then in 2011 rivals appear (</a:t>
+              <a:t>Do currency changes correlate with </a:t>
             </a:r>
             <a:r>
               <a:rPr lang="en-US" dirty="0" err="1"/>
-              <a:t>Namecoin</a:t>
+              <a:t>eachother</a:t>
             </a:r>
             <a:r>
               <a:rPr lang="en-US" dirty="0"/>
-              <a:t> &amp; Litecoin) which led to Bitcoin crash in 2013.</a:t>
+              <a:t>?</a:t>
             </a:r>
           </a:p>
           <a:p>
             <a:pPr lvl="1"/>
-            <a:r>
-              <a:rPr lang="en-US" dirty="0" err="1"/>
-              <a:t>Ehereum</a:t>
-            </a:r>
+            <a:endParaRPr lang="en-US" dirty="0"/>
+          </a:p>
+          <a:p>
+            <a:pPr marL="231775" lvl="1" indent="0">
+              <a:buNone/>
+            </a:pPr>
             <a:r>
               <a:rPr lang="en-US" dirty="0"/>
-              <a:t> appears in 2016 </a:t>
+              <a:t>Based off of 2018 historical data, crypto currencies do not make a good long term investment, however choosing to trade currencies can make for a profitable portfolio as you will see in the next few slides.</a:t>
             </a:r>
           </a:p>
         </p:txBody>
@@ -7932,7 +8524,7 @@
     </p:spTree>
     <p:extLst>
       <p:ext uri="{BB962C8B-B14F-4D97-AF65-F5344CB8AC3E}">
-        <p14:creationId xmlns:p14="http://schemas.microsoft.com/office/powerpoint/2010/main" val="2139132589"/>
+        <p14:creationId xmlns:p14="http://schemas.microsoft.com/office/powerpoint/2010/main" val="3333668629"/>
       </p:ext>
     </p:extLst>
   </p:cSld>
@@ -7981,6 +8573,298 @@
             <p:ph type="title"/>
           </p:nvPr>
         </p:nvSpPr>
+        <p:spPr/>
+        <p:txBody>
+          <a:bodyPr/>
+          <a:lstStyle/>
+          <a:p>
+            <a:r>
+              <a:rPr lang="en-US" b="1" dirty="0"/>
+              <a:t>HISTORY &amp; EVOLUTION</a:t>
+            </a:r>
+          </a:p>
+        </p:txBody>
+      </p:sp>
+      <p:sp>
+        <p:nvSpPr>
+          <p:cNvPr id="14" name="Content Placeholder 13"/>
+          <p:cNvSpPr>
+            <a:spLocks noGrp="1"/>
+          </p:cNvSpPr>
+          <p:nvPr>
+            <p:ph idx="1"/>
+          </p:nvPr>
+        </p:nvSpPr>
+        <p:spPr/>
+        <p:txBody>
+          <a:bodyPr/>
+          <a:lstStyle/>
+          <a:p>
+            <a:r>
+              <a:rPr lang="en-US" b="1" dirty="0"/>
+              <a:t>1998 – 2009 The pre-Bitcoin years</a:t>
+            </a:r>
+          </a:p>
+          <a:p>
+            <a:pPr lvl="1"/>
+            <a:r>
+              <a:rPr lang="en-US" sz="1600" dirty="0"/>
+              <a:t>Although Bitcoin was the first established </a:t>
+            </a:r>
+            <a:r>
+              <a:rPr lang="en-US" sz="1600" dirty="0">
+                <a:hlinkClick r:id="rId2"/>
+              </a:rPr>
+              <a:t>cryptocurrency</a:t>
+            </a:r>
+            <a:r>
+              <a:rPr lang="en-US" sz="1600" dirty="0"/>
+              <a:t>, there had been previous attempts at creating online currencies, two examples of these were B-Money and Bit Gold, which were formulated but never fully developed.</a:t>
+            </a:r>
+          </a:p>
+          <a:p>
+            <a:pPr lvl="1"/>
+            <a:r>
+              <a:rPr lang="en-US" dirty="0"/>
+              <a:t>In 2009, a paper called </a:t>
+            </a:r>
+            <a:r>
+              <a:rPr lang="en-US" dirty="0">
+                <a:hlinkClick r:id="rId3"/>
+              </a:rPr>
+              <a:t>Bitcoin – A Peer to Peer Electronic Cash System</a:t>
+            </a:r>
+            <a:r>
+              <a:rPr lang="en-US" dirty="0"/>
+              <a:t> was posted to a mailing list discussion on cryptography, by Satoshi Nakamoto, whose real identity remains a mystery.</a:t>
+            </a:r>
+            <a:endParaRPr lang="en-US" b="1" dirty="0"/>
+          </a:p>
+          <a:p>
+            <a:pPr lvl="1"/>
+            <a:r>
+              <a:rPr lang="en-US" dirty="0"/>
+              <a:t>In 2010, Bitcoin is finally valued, then in 2011 rivals appear (</a:t>
+            </a:r>
+            <a:r>
+              <a:rPr lang="en-US" dirty="0" err="1"/>
+              <a:t>Namecoin</a:t>
+            </a:r>
+            <a:r>
+              <a:rPr lang="en-US" dirty="0"/>
+              <a:t> &amp; Litecoin) which led to Bitcoin crash in 2013.</a:t>
+            </a:r>
+          </a:p>
+          <a:p>
+            <a:pPr lvl="1"/>
+            <a:r>
+              <a:rPr lang="en-US" dirty="0" err="1"/>
+              <a:t>Ehereum</a:t>
+            </a:r>
+            <a:r>
+              <a:rPr lang="en-US" dirty="0"/>
+              <a:t> appears in 2016 </a:t>
+            </a:r>
+          </a:p>
+        </p:txBody>
+      </p:sp>
+    </p:spTree>
+    <p:extLst>
+      <p:ext uri="{BB962C8B-B14F-4D97-AF65-F5344CB8AC3E}">
+        <p14:creationId xmlns:p14="http://schemas.microsoft.com/office/powerpoint/2010/main" val="2139132589"/>
+      </p:ext>
+    </p:extLst>
+  </p:cSld>
+  <p:clrMapOvr>
+    <a:masterClrMapping/>
+  </p:clrMapOvr>
+  <mc:AlternateContent xmlns:mc="http://schemas.openxmlformats.org/markup-compatibility/2006" xmlns:p14="http://schemas.microsoft.com/office/powerpoint/2010/main">
+    <mc:Choice Requires="p14">
+      <p:transition spd="med" p14:dur="700">
+        <p:fade/>
+      </p:transition>
+    </mc:Choice>
+    <mc:Fallback xmlns="">
+      <p:transition spd="med">
+        <p:fade/>
+      </p:transition>
+    </mc:Fallback>
+  </mc:AlternateContent>
+</p:sld>
+</file>
+
+<file path=ppt/slides/slide4.xml><?xml version="1.0" encoding="utf-8"?>
+<p:sld xmlns:a="http://schemas.openxmlformats.org/drawingml/2006/main" xmlns:r="http://schemas.openxmlformats.org/officeDocument/2006/relationships" xmlns:p="http://schemas.openxmlformats.org/presentationml/2006/main">
+  <p:cSld>
+    <p:spTree>
+      <p:nvGrpSpPr>
+        <p:cNvPr id="1" name=""/>
+        <p:cNvGrpSpPr/>
+        <p:nvPr/>
+      </p:nvGrpSpPr>
+      <p:grpSpPr>
+        <a:xfrm>
+          <a:off x="0" y="0"/>
+          <a:ext cx="0" cy="0"/>
+          <a:chOff x="0" y="0"/>
+          <a:chExt cx="0" cy="0"/>
+        </a:xfrm>
+      </p:grpSpPr>
+      <p:sp>
+        <p:nvSpPr>
+          <p:cNvPr id="13" name="Title 12"/>
+          <p:cNvSpPr>
+            <a:spLocks noGrp="1"/>
+          </p:cNvSpPr>
+          <p:nvPr>
+            <p:ph type="title"/>
+          </p:nvPr>
+        </p:nvSpPr>
+        <p:spPr>
+          <a:xfrm>
+            <a:off x="1522413" y="1143000"/>
+            <a:ext cx="9144001" cy="609600"/>
+          </a:xfrm>
+        </p:spPr>
+        <p:txBody>
+          <a:bodyPr/>
+          <a:lstStyle/>
+          <a:p>
+            <a:r>
+              <a:rPr lang="en-US" b="1" dirty="0"/>
+              <a:t>Data Cleaning and Exploration</a:t>
+            </a:r>
+          </a:p>
+        </p:txBody>
+      </p:sp>
+      <p:sp>
+        <p:nvSpPr>
+          <p:cNvPr id="14" name="Content Placeholder 13"/>
+          <p:cNvSpPr>
+            <a:spLocks noGrp="1"/>
+          </p:cNvSpPr>
+          <p:nvPr>
+            <p:ph idx="1"/>
+          </p:nvPr>
+        </p:nvSpPr>
+        <p:spPr/>
+        <p:txBody>
+          <a:bodyPr>
+            <a:normAutofit/>
+          </a:bodyPr>
+          <a:lstStyle/>
+          <a:p>
+            <a:r>
+              <a:rPr lang="en-US" sz="1800" dirty="0"/>
+              <a:t>Initial data gathering proved to be more difficult than we anticipated, many sites wanted us to subscribe to gather historical data</a:t>
+            </a:r>
+          </a:p>
+          <a:p>
+            <a:r>
+              <a:rPr lang="en-US" sz="1800" dirty="0"/>
+              <a:t>Google has depreciated their finance API</a:t>
+            </a:r>
+          </a:p>
+          <a:p>
+            <a:r>
+              <a:rPr lang="en-US" sz="1800" dirty="0"/>
+              <a:t>Yahoo API is no longer updated, and has minimal documentation</a:t>
+            </a:r>
+          </a:p>
+          <a:p>
+            <a:r>
+              <a:rPr lang="en-US" sz="1800" dirty="0"/>
+              <a:t>Ultimately data was extracted from Yahoo, and </a:t>
+            </a:r>
+            <a:r>
+              <a:rPr lang="en-US" sz="1800" dirty="0" err="1"/>
+              <a:t>QuantConnect</a:t>
+            </a:r>
+            <a:endParaRPr lang="en-US" sz="1800" dirty="0"/>
+          </a:p>
+          <a:p>
+            <a:r>
+              <a:rPr lang="en-US" sz="1800" dirty="0"/>
+              <a:t>Data scrubbing  was completed- gathering our data into </a:t>
+            </a:r>
+            <a:r>
+              <a:rPr lang="en-US" sz="1800" dirty="0" err="1"/>
+              <a:t>dataframes</a:t>
+            </a:r>
+            <a:r>
+              <a:rPr lang="en-US" sz="1800" dirty="0"/>
+              <a:t>, changing decimals to whole numbers, creating moving averages</a:t>
+            </a:r>
+          </a:p>
+          <a:p>
+            <a:r>
+              <a:rPr lang="en-US" sz="1800" dirty="0"/>
+              <a:t>Connecting to Twitter data proved to be a challenge</a:t>
+            </a:r>
+          </a:p>
+          <a:p>
+            <a:r>
+              <a:rPr lang="en-US" sz="1800" dirty="0"/>
+              <a:t>To evaluate data for trading Monte Carlo simulations were completed</a:t>
+            </a:r>
+          </a:p>
+          <a:p>
+            <a:endParaRPr lang="en-US" sz="1800" dirty="0"/>
+          </a:p>
+        </p:txBody>
+      </p:sp>
+    </p:spTree>
+    <p:extLst>
+      <p:ext uri="{BB962C8B-B14F-4D97-AF65-F5344CB8AC3E}">
+        <p14:creationId xmlns:p14="http://schemas.microsoft.com/office/powerpoint/2010/main" val="2577283067"/>
+      </p:ext>
+    </p:extLst>
+  </p:cSld>
+  <p:clrMapOvr>
+    <a:masterClrMapping/>
+  </p:clrMapOvr>
+  <mc:AlternateContent xmlns:mc="http://schemas.openxmlformats.org/markup-compatibility/2006" xmlns:p14="http://schemas.microsoft.com/office/powerpoint/2010/main">
+    <mc:Choice Requires="p14">
+      <p:transition spd="med" p14:dur="700">
+        <p:fade/>
+      </p:transition>
+    </mc:Choice>
+    <mc:Fallback xmlns="">
+      <p:transition spd="med">
+        <p:fade/>
+      </p:transition>
+    </mc:Fallback>
+  </mc:AlternateContent>
+</p:sld>
+</file>
+
+<file path=ppt/slides/slide5.xml><?xml version="1.0" encoding="utf-8"?>
+<p:sld xmlns:a="http://schemas.openxmlformats.org/drawingml/2006/main" xmlns:r="http://schemas.openxmlformats.org/officeDocument/2006/relationships" xmlns:p="http://schemas.openxmlformats.org/presentationml/2006/main">
+  <p:cSld>
+    <p:spTree>
+      <p:nvGrpSpPr>
+        <p:cNvPr id="1" name=""/>
+        <p:cNvGrpSpPr/>
+        <p:nvPr/>
+      </p:nvGrpSpPr>
+      <p:grpSpPr>
+        <a:xfrm>
+          <a:off x="0" y="0"/>
+          <a:ext cx="0" cy="0"/>
+          <a:chOff x="0" y="0"/>
+          <a:chExt cx="0" cy="0"/>
+        </a:xfrm>
+      </p:grpSpPr>
+      <p:sp>
+        <p:nvSpPr>
+          <p:cNvPr id="13" name="Title 12"/>
+          <p:cNvSpPr>
+            <a:spLocks noGrp="1"/>
+          </p:cNvSpPr>
+          <p:nvPr>
+            <p:ph type="title"/>
+          </p:nvPr>
+        </p:nvSpPr>
         <p:spPr>
           <a:xfrm>
             <a:off x="1533070" y="297027"/>
@@ -8013,7 +8897,7 @@
         <p:spPr>
           <a:xfrm>
             <a:off x="531812" y="917513"/>
-            <a:ext cx="5181600" cy="369332"/>
+            <a:ext cx="6629400" cy="369332"/>
           </a:xfrm>
           <a:prstGeom prst="rect">
             <a:avLst/>
@@ -8032,7 +8916,7 @@
             </a:pPr>
             <a:r>
               <a:rPr lang="en-US" dirty="0"/>
-              <a:t>Daily Coin Percent of Change</a:t>
+              <a:t>What do the daily changes look like compared to the Dollar?</a:t>
             </a:r>
           </a:p>
         </p:txBody>
@@ -8067,7 +8951,7 @@
           <a:p>
             <a:r>
               <a:rPr lang="en-US" dirty="0"/>
-              <a:t>ANOVA:</a:t>
+              <a:t>Is there a correlation between daily changes?</a:t>
             </a:r>
           </a:p>
           <a:p>
@@ -8200,7 +9084,7 @@
 </p:sld>
 </file>
 
-<file path=ppt/slides/slide4.xml><?xml version="1.0" encoding="utf-8"?>
+<file path=ppt/slides/slide6.xml><?xml version="1.0" encoding="utf-8"?>
 <p:sld xmlns:a="http://schemas.openxmlformats.org/drawingml/2006/main" xmlns:r="http://schemas.openxmlformats.org/officeDocument/2006/relationships" xmlns:p="http://schemas.openxmlformats.org/presentationml/2006/main">
   <p:cSld>
     <p:spTree>
@@ -8278,7 +9162,7 @@
             </a:pPr>
             <a:r>
               <a:rPr lang="en-US" dirty="0"/>
-              <a:t>Variance Between Coins?</a:t>
+              <a:t>Which coin has the most variance?</a:t>
             </a:r>
           </a:p>
         </p:txBody>
@@ -8428,7 +9312,7 @@
 </p:sld>
 </file>
 
-<file path=ppt/slides/slide5.xml><?xml version="1.0" encoding="utf-8"?>
+<file path=ppt/slides/slide7.xml><?xml version="1.0" encoding="utf-8"?>
 <p:sld xmlns:a="http://schemas.openxmlformats.org/drawingml/2006/main" xmlns:r="http://schemas.openxmlformats.org/officeDocument/2006/relationships" xmlns:p="http://schemas.openxmlformats.org/presentationml/2006/main">
   <p:cSld>
     <p:spTree>
@@ -8777,7 +9661,7 @@
 </p:sld>
 </file>
 
-<file path=ppt/slides/slide6.xml><?xml version="1.0" encoding="utf-8"?>
+<file path=ppt/slides/slide8.xml><?xml version="1.0" encoding="utf-8"?>
 <p:sld xmlns:a="http://schemas.openxmlformats.org/drawingml/2006/main" xmlns:r="http://schemas.openxmlformats.org/officeDocument/2006/relationships" xmlns:p="http://schemas.openxmlformats.org/presentationml/2006/main">
   <p:cSld>
     <p:spTree>
@@ -8866,229 +9750,6 @@
 </p:sld>
 </file>
 
-<file path=ppt/slides/slide7.xml><?xml version="1.0" encoding="utf-8"?>
-<p:sld xmlns:a="http://schemas.openxmlformats.org/drawingml/2006/main" xmlns:r="http://schemas.openxmlformats.org/officeDocument/2006/relationships" xmlns:p="http://schemas.openxmlformats.org/presentationml/2006/main">
-  <p:cSld>
-    <p:spTree>
-      <p:nvGrpSpPr>
-        <p:cNvPr id="1" name=""/>
-        <p:cNvGrpSpPr/>
-        <p:nvPr/>
-      </p:nvGrpSpPr>
-      <p:grpSpPr>
-        <a:xfrm>
-          <a:off x="0" y="0"/>
-          <a:ext cx="0" cy="0"/>
-          <a:chOff x="0" y="0"/>
-          <a:chExt cx="0" cy="0"/>
-        </a:xfrm>
-      </p:grpSpPr>
-      <p:sp>
-        <p:nvSpPr>
-          <p:cNvPr id="2" name="Title 1"/>
-          <p:cNvSpPr>
-            <a:spLocks noGrp="1"/>
-          </p:cNvSpPr>
-          <p:nvPr>
-            <p:ph type="title"/>
-          </p:nvPr>
-        </p:nvSpPr>
-        <p:spPr/>
-        <p:txBody>
-          <a:bodyPr/>
-          <a:lstStyle/>
-          <a:p>
-            <a:r>
-              <a:rPr lang="en-US" dirty="0"/>
-              <a:t>Add a Slide Title - 1</a:t>
-            </a:r>
-          </a:p>
-        </p:txBody>
-      </p:sp>
-      <p:sp>
-        <p:nvSpPr>
-          <p:cNvPr id="3" name="Text Placeholder 2"/>
-          <p:cNvSpPr>
-            <a:spLocks noGrp="1"/>
-          </p:cNvSpPr>
-          <p:nvPr>
-            <p:ph type="body" idx="1"/>
-          </p:nvPr>
-        </p:nvSpPr>
-        <p:spPr/>
-        <p:txBody>
-          <a:bodyPr/>
-          <a:lstStyle/>
-          <a:p>
-            <a:endParaRPr lang="en-US"/>
-          </a:p>
-        </p:txBody>
-      </p:sp>
-    </p:spTree>
-    <p:extLst>
-      <p:ext uri="{BB962C8B-B14F-4D97-AF65-F5344CB8AC3E}">
-        <p14:creationId xmlns:p14="http://schemas.microsoft.com/office/powerpoint/2010/main" val="2478160142"/>
-      </p:ext>
-    </p:extLst>
-  </p:cSld>
-  <p:clrMapOvr>
-    <a:masterClrMapping/>
-  </p:clrMapOvr>
-  <mc:AlternateContent xmlns:mc="http://schemas.openxmlformats.org/markup-compatibility/2006" xmlns:p14="http://schemas.microsoft.com/office/powerpoint/2010/main">
-    <mc:Choice Requires="p14">
-      <p:transition spd="med" p14:dur="700">
-        <p:fade/>
-      </p:transition>
-    </mc:Choice>
-    <mc:Fallback xmlns="">
-      <p:transition spd="med">
-        <p:fade/>
-      </p:transition>
-    </mc:Fallback>
-  </mc:AlternateContent>
-</p:sld>
-</file>
-
-<file path=ppt/slides/slide8.xml><?xml version="1.0" encoding="utf-8"?>
-<p:sld xmlns:a="http://schemas.openxmlformats.org/drawingml/2006/main" xmlns:r="http://schemas.openxmlformats.org/officeDocument/2006/relationships" xmlns:p="http://schemas.openxmlformats.org/presentationml/2006/main">
-  <p:cSld>
-    <p:spTree>
-      <p:nvGrpSpPr>
-        <p:cNvPr id="1" name=""/>
-        <p:cNvGrpSpPr/>
-        <p:nvPr/>
-      </p:nvGrpSpPr>
-      <p:grpSpPr>
-        <a:xfrm>
-          <a:off x="0" y="0"/>
-          <a:ext cx="0" cy="0"/>
-          <a:chOff x="0" y="0"/>
-          <a:chExt cx="0" cy="0"/>
-        </a:xfrm>
-      </p:grpSpPr>
-      <p:sp>
-        <p:nvSpPr>
-          <p:cNvPr id="2" name="Title 1"/>
-          <p:cNvSpPr>
-            <a:spLocks noGrp="1"/>
-          </p:cNvSpPr>
-          <p:nvPr>
-            <p:ph type="title"/>
-          </p:nvPr>
-        </p:nvSpPr>
-        <p:spPr/>
-        <p:txBody>
-          <a:bodyPr/>
-          <a:lstStyle/>
-          <a:p>
-            <a:r>
-              <a:rPr lang="en-US" dirty="0"/>
-              <a:t>Add a Slide Title - 2</a:t>
-            </a:r>
-          </a:p>
-        </p:txBody>
-      </p:sp>
-      <p:sp>
-        <p:nvSpPr>
-          <p:cNvPr id="3" name="Text Placeholder 2"/>
-          <p:cNvSpPr>
-            <a:spLocks noGrp="1"/>
-          </p:cNvSpPr>
-          <p:nvPr>
-            <p:ph type="body" idx="1"/>
-          </p:nvPr>
-        </p:nvSpPr>
-        <p:spPr/>
-        <p:txBody>
-          <a:bodyPr/>
-          <a:lstStyle/>
-          <a:p>
-            <a:endParaRPr lang="en-US"/>
-          </a:p>
-        </p:txBody>
-      </p:sp>
-      <p:sp>
-        <p:nvSpPr>
-          <p:cNvPr id="4" name="Content Placeholder 3"/>
-          <p:cNvSpPr>
-            <a:spLocks noGrp="1"/>
-          </p:cNvSpPr>
-          <p:nvPr>
-            <p:ph sz="half" idx="2"/>
-          </p:nvPr>
-        </p:nvSpPr>
-        <p:spPr/>
-        <p:txBody>
-          <a:bodyPr/>
-          <a:lstStyle/>
-          <a:p>
-            <a:endParaRPr lang="en-US"/>
-          </a:p>
-        </p:txBody>
-      </p:sp>
-      <p:sp>
-        <p:nvSpPr>
-          <p:cNvPr id="5" name="Text Placeholder 4"/>
-          <p:cNvSpPr>
-            <a:spLocks noGrp="1"/>
-          </p:cNvSpPr>
-          <p:nvPr>
-            <p:ph type="body" sz="quarter" idx="3"/>
-          </p:nvPr>
-        </p:nvSpPr>
-        <p:spPr/>
-        <p:txBody>
-          <a:bodyPr/>
-          <a:lstStyle/>
-          <a:p>
-            <a:endParaRPr lang="en-US"/>
-          </a:p>
-        </p:txBody>
-      </p:sp>
-      <p:sp>
-        <p:nvSpPr>
-          <p:cNvPr id="6" name="Content Placeholder 5"/>
-          <p:cNvSpPr>
-            <a:spLocks noGrp="1"/>
-          </p:cNvSpPr>
-          <p:nvPr>
-            <p:ph sz="quarter" idx="4"/>
-          </p:nvPr>
-        </p:nvSpPr>
-        <p:spPr/>
-        <p:txBody>
-          <a:bodyPr/>
-          <a:lstStyle/>
-          <a:p>
-            <a:endParaRPr lang="en-US"/>
-          </a:p>
-        </p:txBody>
-      </p:sp>
-    </p:spTree>
-    <p:extLst>
-      <p:ext uri="{BB962C8B-B14F-4D97-AF65-F5344CB8AC3E}">
-        <p14:creationId xmlns:p14="http://schemas.microsoft.com/office/powerpoint/2010/main" val="2681425051"/>
-      </p:ext>
-    </p:extLst>
-  </p:cSld>
-  <p:clrMapOvr>
-    <a:masterClrMapping/>
-  </p:clrMapOvr>
-  <mc:AlternateContent xmlns:mc="http://schemas.openxmlformats.org/markup-compatibility/2006" xmlns:p14="http://schemas.microsoft.com/office/powerpoint/2010/main">
-    <mc:Choice Requires="p14">
-      <p:transition spd="med" p14:dur="700">
-        <p:fade/>
-      </p:transition>
-    </mc:Choice>
-    <mc:Fallback xmlns="">
-      <p:transition spd="med">
-        <p:fade/>
-      </p:transition>
-    </mc:Fallback>
-  </mc:AlternateContent>
-</p:sld>
-</file>
-
 <file path=ppt/slides/slide9.xml><?xml version="1.0" encoding="utf-8"?>
 <p:sld xmlns:a="http://schemas.openxmlformats.org/drawingml/2006/main" xmlns:r="http://schemas.openxmlformats.org/officeDocument/2006/relationships" xmlns:p="http://schemas.openxmlformats.org/presentationml/2006/main">
   <p:cSld>
@@ -9108,7 +9769,7 @@
       </p:grpSpPr>
       <p:sp>
         <p:nvSpPr>
-          <p:cNvPr id="2" name="Title 1"/>
+          <p:cNvPr id="13" name="Title 12"/>
           <p:cNvSpPr>
             <a:spLocks noGrp="1"/>
           </p:cNvSpPr>
@@ -9116,14 +9777,63 @@
             <p:ph type="title"/>
           </p:nvPr>
         </p:nvSpPr>
-        <p:spPr/>
+        <p:spPr>
+          <a:xfrm>
+            <a:off x="1522413" y="1143000"/>
+            <a:ext cx="9144001" cy="609600"/>
+          </a:xfrm>
+        </p:spPr>
         <p:txBody>
           <a:bodyPr/>
           <a:lstStyle/>
           <a:p>
             <a:r>
-              <a:rPr lang="en-US" dirty="0"/>
-              <a:t>Add a Slide Title - 3</a:t>
+              <a:rPr lang="en-US" b="1" dirty="0"/>
+              <a:t>Post </a:t>
+            </a:r>
+            <a:r>
+              <a:rPr lang="en-US" b="1" dirty="0" err="1"/>
+              <a:t>Mortum</a:t>
+            </a:r>
+            <a:r>
+              <a:rPr lang="en-US" b="1" dirty="0"/>
+              <a:t> &amp; Difficulties</a:t>
+            </a:r>
+          </a:p>
+        </p:txBody>
+      </p:sp>
+      <p:sp>
+        <p:nvSpPr>
+          <p:cNvPr id="14" name="Content Placeholder 13"/>
+          <p:cNvSpPr>
+            <a:spLocks noGrp="1"/>
+          </p:cNvSpPr>
+          <p:nvPr>
+            <p:ph idx="1"/>
+          </p:nvPr>
+        </p:nvSpPr>
+        <p:spPr/>
+        <p:txBody>
+          <a:bodyPr>
+            <a:normAutofit/>
+          </a:bodyPr>
+          <a:lstStyle/>
+          <a:p>
+            <a:r>
+              <a:rPr lang="en-US" sz="1800" dirty="0"/>
+              <a:t>Our biggest challenge proved to be connecting to data</a:t>
+            </a:r>
+          </a:p>
+          <a:p>
+            <a:r>
+              <a:rPr lang="en-US" sz="1800" dirty="0"/>
+              <a:t>Several hours were spent running simulations to identify trending</a:t>
+            </a:r>
+          </a:p>
+          <a:p>
+            <a:r>
+              <a:rPr lang="en-US" sz="1800" dirty="0"/>
+              <a:t>Discuss any additional questions that came up, but which you didn't have time to answer: What would you research next, if you had two more weeks?</a:t>
             </a:r>
           </a:p>
         </p:txBody>
@@ -9131,7 +9841,7 @@
     </p:spTree>
     <p:extLst>
       <p:ext uri="{BB962C8B-B14F-4D97-AF65-F5344CB8AC3E}">
-        <p14:creationId xmlns:p14="http://schemas.microsoft.com/office/powerpoint/2010/main" val="2590506655"/>
+        <p14:creationId xmlns:p14="http://schemas.microsoft.com/office/powerpoint/2010/main" val="2024222284"/>
       </p:ext>
     </p:extLst>
   </p:cSld>
